--- a/99. Lecture note in ppt/3. 웹컴포넌트.pptx
+++ b/99. Lecture note in ppt/3. 웹컴포넌트.pptx
@@ -28,12 +28,7 @@
     <p:sldId id="311" r:id="rId22"/>
     <p:sldId id="312" r:id="rId23"/>
     <p:sldId id="313" r:id="rId24"/>
-    <p:sldId id="286" r:id="rId25"/>
-    <p:sldId id="287" r:id="rId26"/>
-    <p:sldId id="291" r:id="rId27"/>
-    <p:sldId id="288" r:id="rId28"/>
-    <p:sldId id="289" r:id="rId29"/>
-    <p:sldId id="292" r:id="rId30"/>
+    <p:sldId id="292" r:id="rId25"/>
   </p:sldIdLst>
   <p:sldSz cx="12192000" cy="6858000"/>
   <p:notesSz cx="6858000" cy="9144000"/>
@@ -7915,903 +7910,6 @@
           <a:chExt cx="0" cy="0"/>
         </a:xfrm>
       </p:grpSpPr>
-      <p:pic>
-        <p:nvPicPr>
-          <p:cNvPr id="4" name="그림 3"/>
-          <p:cNvPicPr>
-            <a:picLocks noChangeAspect="1"/>
-          </p:cNvPicPr>
-          <p:nvPr/>
-        </p:nvPicPr>
-        <p:blipFill>
-          <a:blip r:embed="rId2"/>
-          <a:stretch>
-            <a:fillRect/>
-          </a:stretch>
-        </p:blipFill>
-        <p:spPr>
-          <a:xfrm>
-            <a:off x="7165570" y="408931"/>
-            <a:ext cx="4120342" cy="6530521"/>
-          </a:xfrm>
-          <a:prstGeom prst="rect">
-            <a:avLst/>
-          </a:prstGeom>
-        </p:spPr>
-      </p:pic>
-      <p:sp>
-        <p:nvSpPr>
-          <p:cNvPr id="5" name="직사각형 4"/>
-          <p:cNvSpPr/>
-          <p:nvPr/>
-        </p:nvSpPr>
-        <p:spPr>
-          <a:xfrm>
-            <a:off x="772689" y="2844588"/>
-            <a:ext cx="4834067" cy="1241850"/>
-          </a:xfrm>
-          <a:prstGeom prst="rect">
-            <a:avLst/>
-          </a:prstGeom>
-          <a:solidFill>
-            <a:srgbClr val="00B0F0">
-              <a:alpha val="34000"/>
-            </a:srgbClr>
-          </a:solidFill>
-          <a:ln w="38100">
-            <a:noFill/>
-          </a:ln>
-        </p:spPr>
-        <p:style>
-          <a:lnRef idx="2">
-            <a:schemeClr val="accent1">
-              <a:shade val="50000"/>
-            </a:schemeClr>
-          </a:lnRef>
-          <a:fillRef idx="1">
-            <a:schemeClr val="accent1"/>
-          </a:fillRef>
-          <a:effectRef idx="0">
-            <a:schemeClr val="accent1"/>
-          </a:effectRef>
-          <a:fontRef idx="minor">
-            <a:schemeClr val="lt1"/>
-          </a:fontRef>
-        </p:style>
-        <p:txBody>
-          <a:bodyPr rtlCol="0" anchor="ctr"/>
-          <a:lstStyle/>
-          <a:p>
-            <a:pPr algn="ctr"/>
-            <a:r>
-              <a:rPr lang="ko-KR" altLang="en-US" dirty="0">
-                <a:solidFill>
-                  <a:schemeClr val="tx1"/>
-                </a:solidFill>
-              </a:rPr>
-              <a:t>같은 객체라도 브라우저에 따라 다르게 보이는 경우가 있다</a:t>
-            </a:r>
-            <a:r>
-              <a:rPr lang="en-US" altLang="ko-KR" dirty="0">
-                <a:solidFill>
-                  <a:schemeClr val="tx1"/>
-                </a:solidFill>
-              </a:rPr>
-              <a:t>.</a:t>
-            </a:r>
-            <a:endParaRPr lang="ko-KR" altLang="en-US" dirty="0">
-              <a:solidFill>
-                <a:schemeClr val="tx1"/>
-              </a:solidFill>
-            </a:endParaRPr>
-          </a:p>
-        </p:txBody>
-      </p:sp>
-      <p:sp>
-        <p:nvSpPr>
-          <p:cNvPr id="6" name="직사각형 5"/>
-          <p:cNvSpPr/>
-          <p:nvPr/>
-        </p:nvSpPr>
-        <p:spPr>
-          <a:xfrm>
-            <a:off x="323817" y="408931"/>
-            <a:ext cx="2865905" cy="736238"/>
-          </a:xfrm>
-          <a:prstGeom prst="rect">
-            <a:avLst/>
-          </a:prstGeom>
-          <a:solidFill>
-            <a:srgbClr val="00B0F0">
-              <a:alpha val="34000"/>
-            </a:srgbClr>
-          </a:solidFill>
-          <a:ln w="38100">
-            <a:noFill/>
-          </a:ln>
-        </p:spPr>
-        <p:style>
-          <a:lnRef idx="2">
-            <a:schemeClr val="accent1">
-              <a:shade val="50000"/>
-            </a:schemeClr>
-          </a:lnRef>
-          <a:fillRef idx="1">
-            <a:schemeClr val="accent1"/>
-          </a:fillRef>
-          <a:effectRef idx="0">
-            <a:schemeClr val="accent1"/>
-          </a:effectRef>
-          <a:fontRef idx="minor">
-            <a:schemeClr val="lt1"/>
-          </a:fontRef>
-        </p:style>
-        <p:txBody>
-          <a:bodyPr rtlCol="0" anchor="ctr"/>
-          <a:lstStyle/>
-          <a:p>
-            <a:pPr algn="ctr"/>
-            <a:r>
-              <a:rPr lang="ko-KR" altLang="en-US" dirty="0">
-                <a:solidFill>
-                  <a:schemeClr val="tx1"/>
-                </a:solidFill>
-              </a:rPr>
-              <a:t>왜 이걸 사용하지</a:t>
-            </a:r>
-            <a:r>
-              <a:rPr lang="en-US" altLang="ko-KR" dirty="0">
-                <a:solidFill>
-                  <a:schemeClr val="tx1"/>
-                </a:solidFill>
-              </a:rPr>
-              <a:t>?</a:t>
-            </a:r>
-            <a:endParaRPr lang="ko-KR" altLang="en-US" dirty="0">
-              <a:solidFill>
-                <a:schemeClr val="tx1"/>
-              </a:solidFill>
-            </a:endParaRPr>
-          </a:p>
-        </p:txBody>
-      </p:sp>
-    </p:spTree>
-    <p:extLst>
-      <p:ext uri="{BB962C8B-B14F-4D97-AF65-F5344CB8AC3E}">
-        <p14:creationId xmlns:p14="http://schemas.microsoft.com/office/powerpoint/2010/main" val="1395799480"/>
-      </p:ext>
-    </p:extLst>
-  </p:cSld>
-  <p:clrMapOvr>
-    <a:masterClrMapping/>
-  </p:clrMapOvr>
-</p:sld>
-</file>
-
-<file path=ppt/slides/slide25.xml><?xml version="1.0" encoding="utf-8"?>
-<p:sld xmlns:a="http://schemas.openxmlformats.org/drawingml/2006/main" xmlns:r="http://schemas.openxmlformats.org/officeDocument/2006/relationships" xmlns:p="http://schemas.openxmlformats.org/presentationml/2006/main">
-  <p:cSld>
-    <p:spTree>
-      <p:nvGrpSpPr>
-        <p:cNvPr id="1" name=""/>
-        <p:cNvGrpSpPr/>
-        <p:nvPr/>
-      </p:nvGrpSpPr>
-      <p:grpSpPr>
-        <a:xfrm>
-          <a:off x="0" y="0"/>
-          <a:ext cx="0" cy="0"/>
-          <a:chOff x="0" y="0"/>
-          <a:chExt cx="0" cy="0"/>
-        </a:xfrm>
-      </p:grpSpPr>
-      <p:pic>
-        <p:nvPicPr>
-          <p:cNvPr id="4" name="그림 3"/>
-          <p:cNvPicPr>
-            <a:picLocks noChangeAspect="1"/>
-          </p:cNvPicPr>
-          <p:nvPr/>
-        </p:nvPicPr>
-        <p:blipFill>
-          <a:blip r:embed="rId2"/>
-          <a:stretch>
-            <a:fillRect/>
-          </a:stretch>
-        </p:blipFill>
-        <p:spPr>
-          <a:xfrm>
-            <a:off x="2090178" y="1990524"/>
-            <a:ext cx="8011643" cy="2876951"/>
-          </a:xfrm>
-          <a:prstGeom prst="rect">
-            <a:avLst/>
-          </a:prstGeom>
-        </p:spPr>
-      </p:pic>
-      <p:sp>
-        <p:nvSpPr>
-          <p:cNvPr id="5" name="직사각형 4"/>
-          <p:cNvSpPr/>
-          <p:nvPr/>
-        </p:nvSpPr>
-        <p:spPr>
-          <a:xfrm>
-            <a:off x="323817" y="408931"/>
-            <a:ext cx="2865905" cy="736238"/>
-          </a:xfrm>
-          <a:prstGeom prst="rect">
-            <a:avLst/>
-          </a:prstGeom>
-          <a:solidFill>
-            <a:srgbClr val="00B0F0">
-              <a:alpha val="34000"/>
-            </a:srgbClr>
-          </a:solidFill>
-          <a:ln w="38100">
-            <a:noFill/>
-          </a:ln>
-        </p:spPr>
-        <p:style>
-          <a:lnRef idx="2">
-            <a:schemeClr val="accent1">
-              <a:shade val="50000"/>
-            </a:schemeClr>
-          </a:lnRef>
-          <a:fillRef idx="1">
-            <a:schemeClr val="accent1"/>
-          </a:fillRef>
-          <a:effectRef idx="0">
-            <a:schemeClr val="accent1"/>
-          </a:effectRef>
-          <a:fontRef idx="minor">
-            <a:schemeClr val="lt1"/>
-          </a:fontRef>
-        </p:style>
-        <p:txBody>
-          <a:bodyPr rtlCol="0" anchor="ctr"/>
-          <a:lstStyle/>
-          <a:p>
-            <a:pPr algn="ctr"/>
-            <a:r>
-              <a:rPr lang="ko-KR" altLang="en-US" dirty="0">
-                <a:solidFill>
-                  <a:schemeClr val="tx1"/>
-                </a:solidFill>
-              </a:rPr>
-              <a:t>왜 이걸 사용하지</a:t>
-            </a:r>
-            <a:r>
-              <a:rPr lang="en-US" altLang="ko-KR" dirty="0">
-                <a:solidFill>
-                  <a:schemeClr val="tx1"/>
-                </a:solidFill>
-              </a:rPr>
-              <a:t>?</a:t>
-            </a:r>
-          </a:p>
-          <a:p>
-            <a:pPr algn="ctr"/>
-            <a:r>
-              <a:rPr lang="en-US" altLang="ko-KR" dirty="0">
-                <a:solidFill>
-                  <a:schemeClr val="tx1"/>
-                </a:solidFill>
-              </a:rPr>
-              <a:t>JS </a:t>
-            </a:r>
-            <a:r>
-              <a:rPr lang="ko-KR" altLang="en-US" dirty="0">
-                <a:solidFill>
-                  <a:schemeClr val="tx1"/>
-                </a:solidFill>
-              </a:rPr>
-              <a:t>컴포넌트의 문제점</a:t>
-            </a:r>
-          </a:p>
-        </p:txBody>
-      </p:sp>
-    </p:spTree>
-    <p:extLst>
-      <p:ext uri="{BB962C8B-B14F-4D97-AF65-F5344CB8AC3E}">
-        <p14:creationId xmlns:p14="http://schemas.microsoft.com/office/powerpoint/2010/main" val="1758967197"/>
-      </p:ext>
-    </p:extLst>
-  </p:cSld>
-  <p:clrMapOvr>
-    <a:masterClrMapping/>
-  </p:clrMapOvr>
-</p:sld>
-</file>
-
-<file path=ppt/slides/slide26.xml><?xml version="1.0" encoding="utf-8"?>
-<p:sld xmlns:a="http://schemas.openxmlformats.org/drawingml/2006/main" xmlns:r="http://schemas.openxmlformats.org/officeDocument/2006/relationships" xmlns:p="http://schemas.openxmlformats.org/presentationml/2006/main">
-  <p:cSld>
-    <p:spTree>
-      <p:nvGrpSpPr>
-        <p:cNvPr id="1" name=""/>
-        <p:cNvGrpSpPr/>
-        <p:nvPr/>
-      </p:nvGrpSpPr>
-      <p:grpSpPr>
-        <a:xfrm>
-          <a:off x="0" y="0"/>
-          <a:ext cx="0" cy="0"/>
-          <a:chOff x="0" y="0"/>
-          <a:chExt cx="0" cy="0"/>
-        </a:xfrm>
-      </p:grpSpPr>
-      <p:pic>
-        <p:nvPicPr>
-          <p:cNvPr id="4098" name="Picture 2" descr="webcomponent5"/>
-          <p:cNvPicPr>
-            <a:picLocks noChangeAspect="1" noChangeArrowheads="1"/>
-          </p:cNvPicPr>
-          <p:nvPr/>
-        </p:nvPicPr>
-        <p:blipFill>
-          <a:blip r:embed="rId2">
-            <a:extLst>
-              <a:ext uri="{28A0092B-C50C-407E-A947-70E740481C1C}">
-                <a14:useLocalDpi xmlns:a14="http://schemas.microsoft.com/office/drawing/2010/main" val="0"/>
-              </a:ext>
-            </a:extLst>
-          </a:blip>
-          <a:srcRect/>
-          <a:stretch>
-            <a:fillRect/>
-          </a:stretch>
-        </p:blipFill>
-        <p:spPr bwMode="auto">
-          <a:xfrm>
-            <a:off x="3267075" y="2022475"/>
-            <a:ext cx="5657850" cy="2886076"/>
-          </a:xfrm>
-          <a:prstGeom prst="rect">
-            <a:avLst/>
-          </a:prstGeom>
-          <a:noFill/>
-          <a:extLst>
-            <a:ext uri="{909E8E84-426E-40DD-AFC4-6F175D3DCCD1}">
-              <a14:hiddenFill xmlns:a14="http://schemas.microsoft.com/office/drawing/2010/main">
-                <a:solidFill>
-                  <a:srgbClr val="FFFFFF"/>
-                </a:solidFill>
-              </a14:hiddenFill>
-            </a:ext>
-          </a:extLst>
-        </p:spPr>
-      </p:pic>
-      <p:sp>
-        <p:nvSpPr>
-          <p:cNvPr id="5" name="직사각형 4"/>
-          <p:cNvSpPr/>
-          <p:nvPr/>
-        </p:nvSpPr>
-        <p:spPr>
-          <a:xfrm>
-            <a:off x="3678966" y="5411585"/>
-            <a:ext cx="4834067" cy="570156"/>
-          </a:xfrm>
-          <a:prstGeom prst="rect">
-            <a:avLst/>
-          </a:prstGeom>
-          <a:solidFill>
-            <a:srgbClr val="00B0F0">
-              <a:alpha val="34000"/>
-            </a:srgbClr>
-          </a:solidFill>
-          <a:ln w="38100">
-            <a:noFill/>
-          </a:ln>
-        </p:spPr>
-        <p:style>
-          <a:lnRef idx="2">
-            <a:schemeClr val="accent1">
-              <a:shade val="50000"/>
-            </a:schemeClr>
-          </a:lnRef>
-          <a:fillRef idx="1">
-            <a:schemeClr val="accent1"/>
-          </a:fillRef>
-          <a:effectRef idx="0">
-            <a:schemeClr val="accent1"/>
-          </a:effectRef>
-          <a:fontRef idx="minor">
-            <a:schemeClr val="lt1"/>
-          </a:fontRef>
-        </p:style>
-        <p:txBody>
-          <a:bodyPr rtlCol="0" anchor="ctr"/>
-          <a:lstStyle/>
-          <a:p>
-            <a:pPr algn="ctr"/>
-            <a:r>
-              <a:rPr lang="ko-KR" altLang="en-US">
-                <a:solidFill>
-                  <a:schemeClr val="tx1"/>
-                </a:solidFill>
-              </a:rPr>
-              <a:t>실제 코드가 실행되고 그려진 모습</a:t>
-            </a:r>
-            <a:endParaRPr lang="ko-KR" altLang="en-US" dirty="0">
-              <a:solidFill>
-                <a:schemeClr val="tx1"/>
-              </a:solidFill>
-            </a:endParaRPr>
-          </a:p>
-        </p:txBody>
-      </p:sp>
-    </p:spTree>
-    <p:extLst>
-      <p:ext uri="{BB962C8B-B14F-4D97-AF65-F5344CB8AC3E}">
-        <p14:creationId xmlns:p14="http://schemas.microsoft.com/office/powerpoint/2010/main" val="1382948879"/>
-      </p:ext>
-    </p:extLst>
-  </p:cSld>
-  <p:clrMapOvr>
-    <a:masterClrMapping/>
-  </p:clrMapOvr>
-</p:sld>
-</file>
-
-<file path=ppt/slides/slide27.xml><?xml version="1.0" encoding="utf-8"?>
-<p:sld xmlns:a="http://schemas.openxmlformats.org/drawingml/2006/main" xmlns:r="http://schemas.openxmlformats.org/officeDocument/2006/relationships" xmlns:p="http://schemas.openxmlformats.org/presentationml/2006/main">
-  <p:cSld>
-    <p:spTree>
-      <p:nvGrpSpPr>
-        <p:cNvPr id="1" name=""/>
-        <p:cNvGrpSpPr/>
-        <p:nvPr/>
-      </p:nvGrpSpPr>
-      <p:grpSpPr>
-        <a:xfrm>
-          <a:off x="0" y="0"/>
-          <a:ext cx="0" cy="0"/>
-          <a:chOff x="0" y="0"/>
-          <a:chExt cx="0" cy="0"/>
-        </a:xfrm>
-      </p:grpSpPr>
-      <p:pic>
-        <p:nvPicPr>
-          <p:cNvPr id="4" name="그림 3"/>
-          <p:cNvPicPr>
-            <a:picLocks noChangeAspect="1"/>
-          </p:cNvPicPr>
-          <p:nvPr/>
-        </p:nvPicPr>
-        <p:blipFill>
-          <a:blip r:embed="rId2"/>
-          <a:stretch>
-            <a:fillRect/>
-          </a:stretch>
-        </p:blipFill>
-        <p:spPr>
-          <a:xfrm>
-            <a:off x="6813249" y="2641485"/>
-            <a:ext cx="3486637" cy="1648055"/>
-          </a:xfrm>
-          <a:prstGeom prst="rect">
-            <a:avLst/>
-          </a:prstGeom>
-        </p:spPr>
-      </p:pic>
-      <p:sp>
-        <p:nvSpPr>
-          <p:cNvPr id="5" name="직사각형 4"/>
-          <p:cNvSpPr/>
-          <p:nvPr/>
-        </p:nvSpPr>
-        <p:spPr>
-          <a:xfrm>
-            <a:off x="772689" y="2844588"/>
-            <a:ext cx="4834067" cy="1241850"/>
-          </a:xfrm>
-          <a:prstGeom prst="rect">
-            <a:avLst/>
-          </a:prstGeom>
-          <a:solidFill>
-            <a:srgbClr val="00B0F0">
-              <a:alpha val="34000"/>
-            </a:srgbClr>
-          </a:solidFill>
-          <a:ln w="38100">
-            <a:noFill/>
-          </a:ln>
-        </p:spPr>
-        <p:style>
-          <a:lnRef idx="2">
-            <a:schemeClr val="accent1">
-              <a:shade val="50000"/>
-            </a:schemeClr>
-          </a:lnRef>
-          <a:fillRef idx="1">
-            <a:schemeClr val="accent1"/>
-          </a:fillRef>
-          <a:effectRef idx="0">
-            <a:schemeClr val="accent1"/>
-          </a:effectRef>
-          <a:fontRef idx="minor">
-            <a:schemeClr val="lt1"/>
-          </a:fontRef>
-        </p:style>
-        <p:txBody>
-          <a:bodyPr rtlCol="0" anchor="ctr"/>
-          <a:lstStyle/>
-          <a:p>
-            <a:pPr algn="ctr"/>
-            <a:r>
-              <a:rPr lang="en-US" altLang="ko-KR" dirty="0">
-                <a:solidFill>
-                  <a:schemeClr val="tx1"/>
-                </a:solidFill>
-              </a:rPr>
-              <a:t>DOM</a:t>
-            </a:r>
-            <a:r>
-              <a:rPr lang="ko-KR" altLang="en-US" dirty="0">
-                <a:solidFill>
-                  <a:schemeClr val="tx1"/>
-                </a:solidFill>
-              </a:rPr>
-              <a:t>안에 있지만 렌더링 </a:t>
-            </a:r>
-            <a:r>
-              <a:rPr lang="en-US" altLang="ko-KR" dirty="0">
-                <a:solidFill>
-                  <a:schemeClr val="tx1"/>
-                </a:solidFill>
-              </a:rPr>
-              <a:t>X</a:t>
-            </a:r>
-          </a:p>
-          <a:p>
-            <a:pPr algn="ctr"/>
-            <a:r>
-              <a:rPr lang="en-US" altLang="ko-KR" dirty="0">
-                <a:solidFill>
-                  <a:schemeClr val="tx1"/>
-                </a:solidFill>
-              </a:rPr>
-              <a:t>CSS</a:t>
-            </a:r>
-            <a:r>
-              <a:rPr lang="ko-KR" altLang="en-US" dirty="0" err="1">
-                <a:solidFill>
-                  <a:schemeClr val="tx1"/>
-                </a:solidFill>
-              </a:rPr>
-              <a:t>를</a:t>
-            </a:r>
-            <a:r>
-              <a:rPr lang="ko-KR" altLang="en-US" dirty="0">
-                <a:solidFill>
-                  <a:schemeClr val="tx1"/>
-                </a:solidFill>
-              </a:rPr>
-              <a:t> 활용해서 </a:t>
-            </a:r>
-            <a:r>
-              <a:rPr lang="ko-KR" altLang="en-US" dirty="0" err="1">
-                <a:solidFill>
-                  <a:schemeClr val="tx1"/>
-                </a:solidFill>
-              </a:rPr>
-              <a:t>앨리먼트를</a:t>
-            </a:r>
-            <a:r>
-              <a:rPr lang="ko-KR" altLang="en-US" dirty="0">
-                <a:solidFill>
-                  <a:schemeClr val="tx1"/>
-                </a:solidFill>
-              </a:rPr>
-              <a:t> 넣을 수 있음</a:t>
-            </a:r>
-            <a:r>
-              <a:rPr lang="en-US" altLang="ko-KR" dirty="0">
-                <a:solidFill>
-                  <a:schemeClr val="tx1"/>
-                </a:solidFill>
-              </a:rPr>
-              <a:t>.</a:t>
-            </a:r>
-            <a:r>
-              <a:rPr lang="ko-KR" altLang="en-US" dirty="0">
-                <a:solidFill>
-                  <a:schemeClr val="tx1"/>
-                </a:solidFill>
-              </a:rPr>
-              <a:t> </a:t>
-            </a:r>
-          </a:p>
-        </p:txBody>
-      </p:sp>
-      <p:sp>
-        <p:nvSpPr>
-          <p:cNvPr id="6" name="직사각형 5"/>
-          <p:cNvSpPr/>
-          <p:nvPr/>
-        </p:nvSpPr>
-        <p:spPr>
-          <a:xfrm>
-            <a:off x="323817" y="408931"/>
-            <a:ext cx="2865905" cy="736238"/>
-          </a:xfrm>
-          <a:prstGeom prst="rect">
-            <a:avLst/>
-          </a:prstGeom>
-          <a:solidFill>
-            <a:srgbClr val="00B0F0">
-              <a:alpha val="34000"/>
-            </a:srgbClr>
-          </a:solidFill>
-          <a:ln w="38100">
-            <a:noFill/>
-          </a:ln>
-        </p:spPr>
-        <p:style>
-          <a:lnRef idx="2">
-            <a:schemeClr val="accent1">
-              <a:shade val="50000"/>
-            </a:schemeClr>
-          </a:lnRef>
-          <a:fillRef idx="1">
-            <a:schemeClr val="accent1"/>
-          </a:fillRef>
-          <a:effectRef idx="0">
-            <a:schemeClr val="accent1"/>
-          </a:effectRef>
-          <a:fontRef idx="minor">
-            <a:schemeClr val="lt1"/>
-          </a:fontRef>
-        </p:style>
-        <p:txBody>
-          <a:bodyPr rtlCol="0" anchor="ctr"/>
-          <a:lstStyle/>
-          <a:p>
-            <a:pPr algn="ctr"/>
-            <a:r>
-              <a:rPr lang="ko-KR" altLang="en-US" dirty="0">
-                <a:solidFill>
-                  <a:schemeClr val="tx1"/>
-                </a:solidFill>
-              </a:rPr>
-              <a:t>템플릿</a:t>
-            </a:r>
-          </a:p>
-        </p:txBody>
-      </p:sp>
-    </p:spTree>
-    <p:extLst>
-      <p:ext uri="{BB962C8B-B14F-4D97-AF65-F5344CB8AC3E}">
-        <p14:creationId xmlns:p14="http://schemas.microsoft.com/office/powerpoint/2010/main" val="3322826327"/>
-      </p:ext>
-    </p:extLst>
-  </p:cSld>
-  <p:clrMapOvr>
-    <a:masterClrMapping/>
-  </p:clrMapOvr>
-</p:sld>
-</file>
-
-<file path=ppt/slides/slide28.xml><?xml version="1.0" encoding="utf-8"?>
-<p:sld xmlns:a="http://schemas.openxmlformats.org/drawingml/2006/main" xmlns:r="http://schemas.openxmlformats.org/officeDocument/2006/relationships" xmlns:p="http://schemas.openxmlformats.org/presentationml/2006/main">
-  <p:cSld>
-    <p:spTree>
-      <p:nvGrpSpPr>
-        <p:cNvPr id="1" name=""/>
-        <p:cNvGrpSpPr/>
-        <p:nvPr/>
-      </p:nvGrpSpPr>
-      <p:grpSpPr>
-        <a:xfrm>
-          <a:off x="0" y="0"/>
-          <a:ext cx="0" cy="0"/>
-          <a:chOff x="0" y="0"/>
-          <a:chExt cx="0" cy="0"/>
-        </a:xfrm>
-      </p:grpSpPr>
-      <p:pic>
-        <p:nvPicPr>
-          <p:cNvPr id="4" name="그림 3"/>
-          <p:cNvPicPr>
-            <a:picLocks noChangeAspect="1"/>
-          </p:cNvPicPr>
-          <p:nvPr/>
-        </p:nvPicPr>
-        <p:blipFill>
-          <a:blip r:embed="rId2"/>
-          <a:stretch>
-            <a:fillRect/>
-          </a:stretch>
-        </p:blipFill>
-        <p:spPr>
-          <a:xfrm>
-            <a:off x="6095999" y="2472621"/>
-            <a:ext cx="5940141" cy="2145948"/>
-          </a:xfrm>
-          <a:prstGeom prst="rect">
-            <a:avLst/>
-          </a:prstGeom>
-        </p:spPr>
-      </p:pic>
-      <p:pic>
-        <p:nvPicPr>
-          <p:cNvPr id="5" name="그림 4"/>
-          <p:cNvPicPr>
-            <a:picLocks noChangeAspect="1"/>
-          </p:cNvPicPr>
-          <p:nvPr/>
-        </p:nvPicPr>
-        <p:blipFill>
-          <a:blip r:embed="rId3"/>
-          <a:stretch>
-            <a:fillRect/>
-          </a:stretch>
-        </p:blipFill>
-        <p:spPr>
-          <a:xfrm>
-            <a:off x="86944" y="2394149"/>
-            <a:ext cx="5563346" cy="2142727"/>
-          </a:xfrm>
-          <a:prstGeom prst="rect">
-            <a:avLst/>
-          </a:prstGeom>
-        </p:spPr>
-      </p:pic>
-      <p:sp>
-        <p:nvSpPr>
-          <p:cNvPr id="6" name="직사각형 5"/>
-          <p:cNvSpPr/>
-          <p:nvPr/>
-        </p:nvSpPr>
-        <p:spPr>
-          <a:xfrm>
-            <a:off x="556558" y="4980959"/>
-            <a:ext cx="4834067" cy="1241850"/>
-          </a:xfrm>
-          <a:prstGeom prst="rect">
-            <a:avLst/>
-          </a:prstGeom>
-          <a:solidFill>
-            <a:srgbClr val="00B0F0">
-              <a:alpha val="34000"/>
-            </a:srgbClr>
-          </a:solidFill>
-          <a:ln w="38100">
-            <a:noFill/>
-          </a:ln>
-        </p:spPr>
-        <p:style>
-          <a:lnRef idx="2">
-            <a:schemeClr val="accent1">
-              <a:shade val="50000"/>
-            </a:schemeClr>
-          </a:lnRef>
-          <a:fillRef idx="1">
-            <a:schemeClr val="accent1"/>
-          </a:fillRef>
-          <a:effectRef idx="0">
-            <a:schemeClr val="accent1"/>
-          </a:effectRef>
-          <a:fontRef idx="minor">
-            <a:schemeClr val="lt1"/>
-          </a:fontRef>
-        </p:style>
-        <p:txBody>
-          <a:bodyPr rtlCol="0" anchor="ctr"/>
-          <a:lstStyle/>
-          <a:p>
-            <a:pPr algn="ctr"/>
-            <a:r>
-              <a:rPr lang="en-US" altLang="ko-KR" dirty="0">
-                <a:solidFill>
-                  <a:schemeClr val="tx1"/>
-                </a:solidFill>
-              </a:rPr>
-              <a:t>HTML </a:t>
-            </a:r>
-            <a:r>
-              <a:rPr lang="ko-KR" altLang="en-US" dirty="0">
-                <a:solidFill>
-                  <a:schemeClr val="tx1"/>
-                </a:solidFill>
-              </a:rPr>
-              <a:t>코드</a:t>
-            </a:r>
-          </a:p>
-        </p:txBody>
-      </p:sp>
-      <p:sp>
-        <p:nvSpPr>
-          <p:cNvPr id="7" name="직사각형 6"/>
-          <p:cNvSpPr/>
-          <p:nvPr/>
-        </p:nvSpPr>
-        <p:spPr>
-          <a:xfrm>
-            <a:off x="6649035" y="4980959"/>
-            <a:ext cx="4834067" cy="1241850"/>
-          </a:xfrm>
-          <a:prstGeom prst="rect">
-            <a:avLst/>
-          </a:prstGeom>
-          <a:solidFill>
-            <a:srgbClr val="00B0F0">
-              <a:alpha val="34000"/>
-            </a:srgbClr>
-          </a:solidFill>
-          <a:ln w="38100">
-            <a:noFill/>
-          </a:ln>
-        </p:spPr>
-        <p:style>
-          <a:lnRef idx="2">
-            <a:schemeClr val="accent1">
-              <a:shade val="50000"/>
-            </a:schemeClr>
-          </a:lnRef>
-          <a:fillRef idx="1">
-            <a:schemeClr val="accent1"/>
-          </a:fillRef>
-          <a:effectRef idx="0">
-            <a:schemeClr val="accent1"/>
-          </a:effectRef>
-          <a:fontRef idx="minor">
-            <a:schemeClr val="lt1"/>
-          </a:fontRef>
-        </p:style>
-        <p:txBody>
-          <a:bodyPr rtlCol="0" anchor="ctr"/>
-          <a:lstStyle/>
-          <a:p>
-            <a:pPr algn="ctr"/>
-            <a:r>
-              <a:rPr lang="en-US" altLang="ko-KR" dirty="0">
-                <a:solidFill>
-                  <a:schemeClr val="tx1"/>
-                </a:solidFill>
-              </a:rPr>
-              <a:t>Shadow DOM</a:t>
-            </a:r>
-            <a:endParaRPr lang="ko-KR" altLang="en-US" dirty="0">
-              <a:solidFill>
-                <a:schemeClr val="tx1"/>
-              </a:solidFill>
-            </a:endParaRPr>
-          </a:p>
-        </p:txBody>
-      </p:sp>
-    </p:spTree>
-    <p:extLst>
-      <p:ext uri="{BB962C8B-B14F-4D97-AF65-F5344CB8AC3E}">
-        <p14:creationId xmlns:p14="http://schemas.microsoft.com/office/powerpoint/2010/main" val="3444340938"/>
-      </p:ext>
-    </p:extLst>
-  </p:cSld>
-  <p:clrMapOvr>
-    <a:masterClrMapping/>
-  </p:clrMapOvr>
-</p:sld>
-</file>
-
-<file path=ppt/slides/slide29.xml><?xml version="1.0" encoding="utf-8"?>
-<p:sld xmlns:a="http://schemas.openxmlformats.org/drawingml/2006/main" xmlns:r="http://schemas.openxmlformats.org/officeDocument/2006/relationships" xmlns:p="http://schemas.openxmlformats.org/presentationml/2006/main">
-  <p:cSld>
-    <p:spTree>
-      <p:nvGrpSpPr>
-        <p:cNvPr id="1" name=""/>
-        <p:cNvGrpSpPr/>
-        <p:nvPr/>
-      </p:nvGrpSpPr>
-      <p:grpSpPr>
-        <a:xfrm>
-          <a:off x="0" y="0"/>
-          <a:ext cx="0" cy="0"/>
-          <a:chOff x="0" y="0"/>
-          <a:chExt cx="0" cy="0"/>
-        </a:xfrm>
-      </p:grpSpPr>
       <p:sp>
         <p:nvSpPr>
           <p:cNvPr id="2" name="직사각형 1"/>
